--- a/MYSQL PPT/08. GroupBy.pptx
+++ b/MYSQL PPT/08. GroupBy.pptx
@@ -11,7 +11,6 @@
     <p:sldId id="259" r:id="rId5"/>
     <p:sldId id="260" r:id="rId6"/>
     <p:sldId id="261" r:id="rId7"/>
-    <p:sldId id="262" r:id="rId8"/>
   </p:sldIdLst>
   <p:sldSz cx="12192000" cy="6858000"/>
   <p:notesSz cx="6858000" cy="9144000"/>
@@ -3705,42 +3704,6 @@
 </p:sld>
 </file>
 
-<file path=ppt/slides/slide7.xml><?xml version="1.0" encoding="utf-8"?>
-<p:sld xmlns:a="http://schemas.openxmlformats.org/drawingml/2006/main" xmlns:r="http://schemas.openxmlformats.org/officeDocument/2006/relationships" xmlns:p="http://schemas.openxmlformats.org/presentationml/2006/main">
-  <p:cSld>
-    <p:spTree>
-      <p:nvGrpSpPr>
-        <p:cNvPr id="1" name="">
-          <a:extLst>
-            <a:ext uri="{FF2B5EF4-FFF2-40B4-BE49-F238E27FC236}">
-              <a16:creationId xmlns:a16="http://schemas.microsoft.com/office/drawing/2014/main" id="{6AA075E8-846E-FE4A-41F6-7955844EC75F}"/>
-            </a:ext>
-          </a:extLst>
-        </p:cNvPr>
-        <p:cNvGrpSpPr/>
-        <p:nvPr/>
-      </p:nvGrpSpPr>
-      <p:grpSpPr>
-        <a:xfrm>
-          <a:off x="0" y="0"/>
-          <a:ext cx="0" cy="0"/>
-          <a:chOff x="0" y="0"/>
-          <a:chExt cx="0" cy="0"/>
-        </a:xfrm>
-      </p:grpSpPr>
-    </p:spTree>
-    <p:extLst>
-      <p:ext uri="{BB962C8B-B14F-4D97-AF65-F5344CB8AC3E}">
-        <p14:creationId xmlns:p14="http://schemas.microsoft.com/office/powerpoint/2010/main" val="69758113"/>
-      </p:ext>
-    </p:extLst>
-  </p:cSld>
-  <p:clrMapOvr>
-    <a:masterClrMapping/>
-  </p:clrMapOvr>
-</p:sld>
-</file>
-
 <file path=ppt/theme/theme1.xml><?xml version="1.0" encoding="utf-8"?>
 <a:theme xmlns:a="http://schemas.openxmlformats.org/drawingml/2006/main" name="Office 테마">
   <a:themeElements>
